--- a/4DVOP.pptx
+++ b/4DVOP.pptx
@@ -13,6 +13,7 @@
     <p:sldId id="259" r:id="rId7"/>
     <p:sldId id="260" r:id="rId8"/>
     <p:sldId id="265" r:id="rId9"/>
+    <p:sldId id="267" r:id="rId10"/>
   </p:sldIdLst>
   <p:sldSz cx="12192000" cy="6858000"/>
   <p:notesSz cx="6858000" cy="9144000"/>
@@ -122,7 +123,7 @@
 <file path=ppt/revisionInfo.xml><?xml version="1.0" encoding="utf-8"?>
 <p1510:revInfo xmlns:a="http://schemas.openxmlformats.org/drawingml/2006/main" xmlns:r="http://schemas.openxmlformats.org/officeDocument/2006/relationships" xmlns:p1510="http://schemas.microsoft.com/office/powerpoint/2015/10/main">
   <p1510:revLst>
-    <p1510:client id="{A870EBF5-BDCA-439D-B259-8F20E1422E1A}" v="369" dt="2021-05-19T11:01:52.746"/>
+    <p1510:client id="{A870EBF5-BDCA-439D-B259-8F20E1422E1A}" v="370" dt="2021-05-22T11:46:06.787"/>
   </p1510:revLst>
 </p1510:revInfo>
 </file>
@@ -132,12 +133,12 @@
   <pc:docChgLst>
     <pc:chgData name="Florian Vigier" userId="4448005c0c8ca223" providerId="LiveId" clId="{A870EBF5-BDCA-439D-B259-8F20E1422E1A}"/>
     <pc:docChg chg="undo custSel addSld delSld modSld sldOrd addMainMaster delMainMaster modMainMaster">
-      <pc:chgData name="Florian Vigier" userId="4448005c0c8ca223" providerId="LiveId" clId="{A870EBF5-BDCA-439D-B259-8F20E1422E1A}" dt="2021-05-19T11:29:33.803" v="5367" actId="20577"/>
+      <pc:chgData name="Florian Vigier" userId="4448005c0c8ca223" providerId="LiveId" clId="{A870EBF5-BDCA-439D-B259-8F20E1422E1A}" dt="2021-05-23T12:24:51.055" v="5764" actId="1037"/>
       <pc:docMkLst>
         <pc:docMk/>
       </pc:docMkLst>
       <pc:sldChg chg="addSp delSp modSp new mod">
-        <pc:chgData name="Florian Vigier" userId="4448005c0c8ca223" providerId="LiveId" clId="{A870EBF5-BDCA-439D-B259-8F20E1422E1A}" dt="2021-05-18T19:40:16.726" v="4446" actId="1076"/>
+        <pc:chgData name="Florian Vigier" userId="4448005c0c8ca223" providerId="LiveId" clId="{A870EBF5-BDCA-439D-B259-8F20E1422E1A}" dt="2021-05-23T12:19:35.554" v="5742" actId="20577"/>
         <pc:sldMkLst>
           <pc:docMk/>
           <pc:sldMk cId="214346002" sldId="256"/>
@@ -175,7 +176,7 @@
           </ac:spMkLst>
         </pc:spChg>
         <pc:spChg chg="add mod">
-          <ac:chgData name="Florian Vigier" userId="4448005c0c8ca223" providerId="LiveId" clId="{A870EBF5-BDCA-439D-B259-8F20E1422E1A}" dt="2021-05-18T19:40:16.726" v="4446" actId="1076"/>
+          <ac:chgData name="Florian Vigier" userId="4448005c0c8ca223" providerId="LiveId" clId="{A870EBF5-BDCA-439D-B259-8F20E1422E1A}" dt="2021-05-23T12:19:35.554" v="5742" actId="20577"/>
           <ac:spMkLst>
             <pc:docMk/>
             <pc:sldMk cId="214346002" sldId="256"/>
@@ -248,7 +249,7 @@
         </pc:picChg>
       </pc:sldChg>
       <pc:sldChg chg="addSp modSp new mod">
-        <pc:chgData name="Florian Vigier" userId="4448005c0c8ca223" providerId="LiveId" clId="{A870EBF5-BDCA-439D-B259-8F20E1422E1A}" dt="2021-05-19T11:29:33.803" v="5367" actId="20577"/>
+        <pc:chgData name="Florian Vigier" userId="4448005c0c8ca223" providerId="LiveId" clId="{A870EBF5-BDCA-439D-B259-8F20E1422E1A}" dt="2021-05-23T12:20:00.353" v="5749" actId="20577"/>
         <pc:sldMkLst>
           <pc:docMk/>
           <pc:sldMk cId="3728465985" sldId="257"/>
@@ -262,7 +263,7 @@
           </ac:spMkLst>
         </pc:spChg>
         <pc:spChg chg="mod">
-          <ac:chgData name="Florian Vigier" userId="4448005c0c8ca223" providerId="LiveId" clId="{A870EBF5-BDCA-439D-B259-8F20E1422E1A}" dt="2021-05-19T11:29:33.803" v="5367" actId="20577"/>
+          <ac:chgData name="Florian Vigier" userId="4448005c0c8ca223" providerId="LiveId" clId="{A870EBF5-BDCA-439D-B259-8F20E1422E1A}" dt="2021-05-23T12:20:00.353" v="5749" actId="20577"/>
           <ac:spMkLst>
             <pc:docMk/>
             <pc:sldMk cId="3728465985" sldId="257"/>
@@ -406,7 +407,7 @@
         </pc:cxnChg>
       </pc:sldChg>
       <pc:sldChg chg="addSp delSp modSp add mod ord">
-        <pc:chgData name="Florian Vigier" userId="4448005c0c8ca223" providerId="LiveId" clId="{A870EBF5-BDCA-439D-B259-8F20E1422E1A}" dt="2021-05-19T11:28:43.954" v="5324"/>
+        <pc:chgData name="Florian Vigier" userId="4448005c0c8ca223" providerId="LiveId" clId="{A870EBF5-BDCA-439D-B259-8F20E1422E1A}" dt="2021-05-23T12:24:51.055" v="5764" actId="1037"/>
         <pc:sldMkLst>
           <pc:docMk/>
           <pc:sldMk cId="1627793399" sldId="259"/>
@@ -484,7 +485,7 @@
           </ac:spMkLst>
         </pc:spChg>
         <pc:spChg chg="add mod">
-          <ac:chgData name="Florian Vigier" userId="4448005c0c8ca223" providerId="LiveId" clId="{A870EBF5-BDCA-439D-B259-8F20E1422E1A}" dt="2021-05-18T19:52:57.389" v="5045" actId="1076"/>
+          <ac:chgData name="Florian Vigier" userId="4448005c0c8ca223" providerId="LiveId" clId="{A870EBF5-BDCA-439D-B259-8F20E1422E1A}" dt="2021-05-23T12:24:07.359" v="5763" actId="122"/>
           <ac:spMkLst>
             <pc:docMk/>
             <pc:sldMk cId="1627793399" sldId="259"/>
@@ -1484,7 +1485,7 @@
           </ac:cxnSpMkLst>
         </pc:cxnChg>
         <pc:cxnChg chg="add mod ord">
-          <ac:chgData name="Florian Vigier" userId="4448005c0c8ca223" providerId="LiveId" clId="{A870EBF5-BDCA-439D-B259-8F20E1422E1A}" dt="2021-05-18T19:52:57.389" v="5045" actId="1076"/>
+          <ac:chgData name="Florian Vigier" userId="4448005c0c8ca223" providerId="LiveId" clId="{A870EBF5-BDCA-439D-B259-8F20E1422E1A}" dt="2021-05-23T12:24:51.055" v="5764" actId="1037"/>
           <ac:cxnSpMkLst>
             <pc:docMk/>
             <pc:sldMk cId="1627793399" sldId="259"/>
@@ -1620,7 +1621,7 @@
           </ac:cxnSpMkLst>
         </pc:cxnChg>
         <pc:cxnChg chg="add mod">
-          <ac:chgData name="Florian Vigier" userId="4448005c0c8ca223" providerId="LiveId" clId="{A870EBF5-BDCA-439D-B259-8F20E1422E1A}" dt="2021-05-18T19:52:57.389" v="5045" actId="1076"/>
+          <ac:chgData name="Florian Vigier" userId="4448005c0c8ca223" providerId="LiveId" clId="{A870EBF5-BDCA-439D-B259-8F20E1422E1A}" dt="2021-05-23T12:23:04.407" v="5753" actId="1037"/>
           <ac:cxnSpMkLst>
             <pc:docMk/>
             <pc:sldMk cId="1627793399" sldId="259"/>
@@ -1800,13 +1801,13 @@
         </pc:spChg>
       </pc:sldChg>
       <pc:sldChg chg="modSp add mod ord">
-        <pc:chgData name="Florian Vigier" userId="4448005c0c8ca223" providerId="LiveId" clId="{A870EBF5-BDCA-439D-B259-8F20E1422E1A}" dt="2021-05-19T10:12:33.999" v="5192" actId="123"/>
+        <pc:chgData name="Florian Vigier" userId="4448005c0c8ca223" providerId="LiveId" clId="{A870EBF5-BDCA-439D-B259-8F20E1422E1A}" dt="2021-05-23T12:20:23.723" v="5752" actId="20577"/>
         <pc:sldMkLst>
           <pc:docMk/>
           <pc:sldMk cId="3959651730" sldId="264"/>
         </pc:sldMkLst>
         <pc:spChg chg="mod">
-          <ac:chgData name="Florian Vigier" userId="4448005c0c8ca223" providerId="LiveId" clId="{A870EBF5-BDCA-439D-B259-8F20E1422E1A}" dt="2021-05-19T10:12:33.999" v="5192" actId="123"/>
+          <ac:chgData name="Florian Vigier" userId="4448005c0c8ca223" providerId="LiveId" clId="{A870EBF5-BDCA-439D-B259-8F20E1422E1A}" dt="2021-05-23T12:20:23.723" v="5752" actId="20577"/>
           <ac:spMkLst>
             <pc:docMk/>
             <pc:sldMk cId="3959651730" sldId="264"/>
@@ -1889,6 +1890,36 @@
             <pc:docMk/>
             <pc:sldMk cId="3452670211" sldId="265"/>
             <ac:spMk id="2" creationId="{63894B23-1C0D-49E4-A87B-E41B11C8A96D}"/>
+          </ac:spMkLst>
+        </pc:spChg>
+      </pc:sldChg>
+      <pc:sldChg chg="new del">
+        <pc:chgData name="Florian Vigier" userId="4448005c0c8ca223" providerId="LiveId" clId="{A870EBF5-BDCA-439D-B259-8F20E1422E1A}" dt="2021-05-22T11:46:08.989" v="5370" actId="47"/>
+        <pc:sldMkLst>
+          <pc:docMk/>
+          <pc:sldMk cId="2199299885" sldId="266"/>
+        </pc:sldMkLst>
+      </pc:sldChg>
+      <pc:sldChg chg="modSp add mod">
+        <pc:chgData name="Florian Vigier" userId="4448005c0c8ca223" providerId="LiveId" clId="{A870EBF5-BDCA-439D-B259-8F20E1422E1A}" dt="2021-05-22T11:48:40.049" v="5740" actId="313"/>
+        <pc:sldMkLst>
+          <pc:docMk/>
+          <pc:sldMk cId="66475046" sldId="267"/>
+        </pc:sldMkLst>
+        <pc:spChg chg="mod">
+          <ac:chgData name="Florian Vigier" userId="4448005c0c8ca223" providerId="LiveId" clId="{A870EBF5-BDCA-439D-B259-8F20E1422E1A}" dt="2021-05-22T11:46:18.049" v="5407" actId="20577"/>
+          <ac:spMkLst>
+            <pc:docMk/>
+            <pc:sldMk cId="66475046" sldId="267"/>
+            <ac:spMk id="2" creationId="{3A6A47F6-8653-4BCD-AA06-66A85F7880E5}"/>
+          </ac:spMkLst>
+        </pc:spChg>
+        <pc:spChg chg="mod">
+          <ac:chgData name="Florian Vigier" userId="4448005c0c8ca223" providerId="LiveId" clId="{A870EBF5-BDCA-439D-B259-8F20E1422E1A}" dt="2021-05-22T11:48:40.049" v="5740" actId="313"/>
+          <ac:spMkLst>
+            <pc:docMk/>
+            <pc:sldMk cId="66475046" sldId="267"/>
+            <ac:spMk id="3" creationId="{D1C2A83E-DFD7-4587-87D9-EB742CE2AED9}"/>
           </ac:spMkLst>
         </pc:spChg>
       </pc:sldChg>
@@ -12422,7 +12453,7 @@
           <a:p>
             <a:fld id="{A5F90143-62A9-4926-8D72-6383F949BC45}" type="datetimeFigureOut">
               <a:rPr lang="fr-FR" smtClean="0"/>
-              <a:t>19/05/2021</a:t>
+              <a:t>23/05/2021</a:t>
             </a:fld>
             <a:endParaRPr lang="fr-FR"/>
           </a:p>
@@ -12665,7 +12696,7 @@
           <a:p>
             <a:fld id="{A5F90143-62A9-4926-8D72-6383F949BC45}" type="datetimeFigureOut">
               <a:rPr lang="fr-FR" smtClean="0"/>
-              <a:t>19/05/2021</a:t>
+              <a:t>23/05/2021</a:t>
             </a:fld>
             <a:endParaRPr lang="fr-FR"/>
           </a:p>
@@ -12873,7 +12904,7 @@
           <a:p>
             <a:fld id="{A5F90143-62A9-4926-8D72-6383F949BC45}" type="datetimeFigureOut">
               <a:rPr lang="fr-FR" smtClean="0"/>
-              <a:t>19/05/2021</a:t>
+              <a:t>23/05/2021</a:t>
             </a:fld>
             <a:endParaRPr lang="fr-FR"/>
           </a:p>
@@ -13184,7 +13215,7 @@
           <a:p>
             <a:fld id="{A5F90143-62A9-4926-8D72-6383F949BC45}" type="datetimeFigureOut">
               <a:rPr lang="fr-FR" smtClean="0"/>
-              <a:t>19/05/2021</a:t>
+              <a:t>23/05/2021</a:t>
             </a:fld>
             <a:endParaRPr lang="fr-FR"/>
           </a:p>
@@ -13459,7 +13490,7 @@
           <a:p>
             <a:fld id="{A5F90143-62A9-4926-8D72-6383F949BC45}" type="datetimeFigureOut">
               <a:rPr lang="fr-FR" smtClean="0"/>
-              <a:t>19/05/2021</a:t>
+              <a:t>23/05/2021</a:t>
             </a:fld>
             <a:endParaRPr lang="fr-FR"/>
           </a:p>
@@ -13724,7 +13755,7 @@
           <a:p>
             <a:fld id="{A5F90143-62A9-4926-8D72-6383F949BC45}" type="datetimeFigureOut">
               <a:rPr lang="fr-FR" smtClean="0"/>
-              <a:t>19/05/2021</a:t>
+              <a:t>23/05/2021</a:t>
             </a:fld>
             <a:endParaRPr lang="fr-FR"/>
           </a:p>
@@ -14136,7 +14167,7 @@
           <a:p>
             <a:fld id="{A5F90143-62A9-4926-8D72-6383F949BC45}" type="datetimeFigureOut">
               <a:rPr lang="fr-FR" smtClean="0"/>
-              <a:t>19/05/2021</a:t>
+              <a:t>23/05/2021</a:t>
             </a:fld>
             <a:endParaRPr lang="fr-FR"/>
           </a:p>
@@ -14277,7 +14308,7 @@
           <a:p>
             <a:fld id="{A5F90143-62A9-4926-8D72-6383F949BC45}" type="datetimeFigureOut">
               <a:rPr lang="fr-FR" smtClean="0"/>
-              <a:t>19/05/2021</a:t>
+              <a:t>23/05/2021</a:t>
             </a:fld>
             <a:endParaRPr lang="fr-FR"/>
           </a:p>
@@ -14390,7 +14421,7 @@
           <a:p>
             <a:fld id="{A5F90143-62A9-4926-8D72-6383F949BC45}" type="datetimeFigureOut">
               <a:rPr lang="fr-FR" smtClean="0"/>
-              <a:t>19/05/2021</a:t>
+              <a:t>23/05/2021</a:t>
             </a:fld>
             <a:endParaRPr lang="fr-FR"/>
           </a:p>
@@ -14701,7 +14732,7 @@
           <a:p>
             <a:fld id="{A5F90143-62A9-4926-8D72-6383F949BC45}" type="datetimeFigureOut">
               <a:rPr lang="fr-FR" smtClean="0"/>
-              <a:t>19/05/2021</a:t>
+              <a:t>23/05/2021</a:t>
             </a:fld>
             <a:endParaRPr lang="fr-FR"/>
           </a:p>
@@ -14989,7 +15020,7 @@
           <a:p>
             <a:fld id="{A5F90143-62A9-4926-8D72-6383F949BC45}" type="datetimeFigureOut">
               <a:rPr lang="fr-FR" smtClean="0"/>
-              <a:t>19/05/2021</a:t>
+              <a:t>23/05/2021</a:t>
             </a:fld>
             <a:endParaRPr lang="fr-FR"/>
           </a:p>
@@ -15230,7 +15261,7 @@
           <a:p>
             <a:fld id="{A5F90143-62A9-4926-8D72-6383F949BC45}" type="datetimeFigureOut">
               <a:rPr lang="fr-FR" smtClean="0"/>
-              <a:t>19/05/2021</a:t>
+              <a:t>23/05/2021</a:t>
             </a:fld>
             <a:endParaRPr lang="fr-FR"/>
           </a:p>
@@ -16135,7 +16166,7 @@
                 <a:ea typeface="Times New Roman" panose="02020603050405020304" pitchFamily="18" charset="0"/>
                 <a:cs typeface="Times New Roman" panose="02020603050405020304" pitchFamily="18" charset="0"/>
               </a:rPr>
-              <a:t>Florian Vigier  –  Adrien Gauthier  –  Aude </a:t>
+              <a:t>Florian Vigier  –  Adrien Gaultier  –  Aude </a:t>
             </a:r>
             <a:r>
               <a:rPr kumimoji="0" lang="fr-FR" altLang="fr-FR" sz="2000" b="0" i="0" u="none" strike="noStrike" cap="none" normalizeH="0" baseline="0" dirty="0" err="1">
@@ -16325,13 +16356,8 @@
             </a:pPr>
             <a:r>
               <a:rPr lang="fr-FR" dirty="0"/>
-              <a:t>L’intégration continue &gt; </a:t>
+              <a:t>CI/CD &gt; Démonstration</a:t>
             </a:r>
-            <a:r>
-              <a:rPr lang="fr-FR" dirty="0" err="1"/>
-              <a:t>Démontration</a:t>
-            </a:r>
-            <a:endParaRPr lang="fr-FR" dirty="0"/>
           </a:p>
         </p:txBody>
       </p:sp>
@@ -16489,7 +16515,7 @@
             </a:pPr>
             <a:r>
               <a:rPr lang="fr-FR" dirty="0"/>
-              <a:t>Infrastructures : 4 serveurs sous Centos7,6</a:t>
+              <a:t>Infrastructures : 4 serveurs sous Centos7.6</a:t>
             </a:r>
           </a:p>
           <a:p>
@@ -18397,8 +18423,8 @@
         </p:nvSpPr>
         <p:spPr>
           <a:xfrm>
-            <a:off x="3318978" y="5035188"/>
-            <a:ext cx="1665772" cy="369332"/>
+            <a:off x="3085322" y="5035188"/>
+            <a:ext cx="1899428" cy="369332"/>
           </a:xfrm>
           <a:prstGeom prst="rect">
             <a:avLst/>
@@ -18411,10 +18437,12 @@
           </a:bodyPr>
           <a:lstStyle/>
           <a:p>
+            <a:pPr algn="ctr"/>
             <a:r>
-              <a:rPr lang="fr-FR" dirty="0"/>
-              <a:t>Image repo</a:t>
+              <a:rPr lang="fr-FR" dirty="0" err="1"/>
+              <a:t>Registry</a:t>
             </a:r>
+            <a:endParaRPr lang="fr-FR" dirty="0"/>
           </a:p>
         </p:txBody>
       </p:sp>
@@ -19747,7 +19775,7 @@
         </p:nvCxnSpPr>
         <p:spPr>
           <a:xfrm flipH="1" flipV="1">
-            <a:off x="6063413" y="2195611"/>
+            <a:off x="6057193" y="2195611"/>
             <a:ext cx="10809" cy="849817"/>
           </a:xfrm>
           <a:prstGeom prst="line">
@@ -20073,7 +20101,7 @@
         </p:nvCxnSpPr>
         <p:spPr>
           <a:xfrm flipV="1">
-            <a:off x="7003308" y="3333099"/>
+            <a:off x="6997088" y="3333099"/>
             <a:ext cx="1" cy="951576"/>
           </a:xfrm>
           <a:prstGeom prst="line">
@@ -20988,6 +21016,183 @@
 </p:sld>
 </file>
 
+<file path=ppt/slides/slide9.xml><?xml version="1.0" encoding="utf-8"?>
+<p:sld xmlns:a="http://schemas.openxmlformats.org/drawingml/2006/main" xmlns:r="http://schemas.openxmlformats.org/officeDocument/2006/relationships" xmlns:p="http://schemas.openxmlformats.org/presentationml/2006/main">
+  <p:cSld>
+    <p:spTree>
+      <p:nvGrpSpPr>
+        <p:cNvPr id="1" name=""/>
+        <p:cNvGrpSpPr/>
+        <p:nvPr/>
+      </p:nvGrpSpPr>
+      <p:grpSpPr>
+        <a:xfrm>
+          <a:off x="0" y="0"/>
+          <a:ext cx="0" cy="0"/>
+          <a:chOff x="0" y="0"/>
+          <a:chExt cx="0" cy="0"/>
+        </a:xfrm>
+      </p:grpSpPr>
+      <p:sp>
+        <p:nvSpPr>
+          <p:cNvPr id="2" name="Titre 1">
+            <a:extLst>
+              <a:ext uri="{FF2B5EF4-FFF2-40B4-BE49-F238E27FC236}">
+                <a16:creationId xmlns:a16="http://schemas.microsoft.com/office/drawing/2014/main" id="{3A6A47F6-8653-4BCD-AA06-66A85F7880E5}"/>
+              </a:ext>
+            </a:extLst>
+          </p:cNvPr>
+          <p:cNvSpPr>
+            <a:spLocks noGrp="1"/>
+          </p:cNvSpPr>
+          <p:nvPr>
+            <p:ph type="title"/>
+          </p:nvPr>
+        </p:nvSpPr>
+        <p:spPr/>
+        <p:txBody>
+          <a:bodyPr/>
+          <a:lstStyle/>
+          <a:p>
+            <a:r>
+              <a:rPr lang="fr-FR" b="1" dirty="0">
+                <a:solidFill>
+                  <a:schemeClr val="accent1"/>
+                </a:solidFill>
+              </a:rPr>
+              <a:t>Optimisation suite au POC</a:t>
+            </a:r>
+          </a:p>
+        </p:txBody>
+      </p:sp>
+      <p:sp>
+        <p:nvSpPr>
+          <p:cNvPr id="3" name="Espace réservé du contenu 2">
+            <a:extLst>
+              <a:ext uri="{FF2B5EF4-FFF2-40B4-BE49-F238E27FC236}">
+                <a16:creationId xmlns:a16="http://schemas.microsoft.com/office/drawing/2014/main" id="{D1C2A83E-DFD7-4587-87D9-EB742CE2AED9}"/>
+              </a:ext>
+            </a:extLst>
+          </p:cNvPr>
+          <p:cNvSpPr>
+            <a:spLocks noGrp="1"/>
+          </p:cNvSpPr>
+          <p:nvPr>
+            <p:ph idx="1"/>
+          </p:nvPr>
+        </p:nvSpPr>
+        <p:spPr>
+          <a:xfrm>
+            <a:off x="1534332" y="1825625"/>
+            <a:ext cx="9819467" cy="4667250"/>
+          </a:xfrm>
+        </p:spPr>
+        <p:txBody>
+          <a:bodyPr>
+            <a:normAutofit/>
+          </a:bodyPr>
+          <a:lstStyle/>
+          <a:p>
+            <a:pPr marL="0" indent="0">
+              <a:buNone/>
+            </a:pPr>
+            <a:r>
+              <a:rPr lang="fr-FR" dirty="0"/>
+              <a:t>Update de l’image Python passage de 701 à 454 vulnérabilités).</a:t>
+            </a:r>
+          </a:p>
+          <a:p>
+            <a:pPr marL="0" indent="0">
+              <a:buNone/>
+            </a:pPr>
+            <a:endParaRPr lang="fr-FR" dirty="0"/>
+          </a:p>
+          <a:p>
+            <a:pPr marL="0" indent="0">
+              <a:buNone/>
+            </a:pPr>
+            <a:r>
+              <a:rPr lang="fr-FR" dirty="0"/>
+              <a:t>Containeriser Jenkins et </a:t>
+            </a:r>
+            <a:r>
+              <a:rPr lang="fr-FR" dirty="0" err="1"/>
+              <a:t>Gitlab</a:t>
+            </a:r>
+            <a:r>
+              <a:rPr lang="fr-FR" dirty="0"/>
+              <a:t> pour assurer le monitoring des dockers en plus des événements.</a:t>
+            </a:r>
+          </a:p>
+          <a:p>
+            <a:pPr marL="0" indent="0">
+              <a:buNone/>
+            </a:pPr>
+            <a:endParaRPr lang="fr-FR" dirty="0"/>
+          </a:p>
+          <a:p>
+            <a:pPr marL="0" indent="0">
+              <a:buNone/>
+            </a:pPr>
+            <a:r>
+              <a:rPr lang="fr-FR" dirty="0"/>
+              <a:t>Traiter les 3 vulnérabilités de l’application</a:t>
+            </a:r>
+          </a:p>
+        </p:txBody>
+      </p:sp>
+      <p:cxnSp>
+        <p:nvCxnSpPr>
+          <p:cNvPr id="4" name="Connecteur droit 3">
+            <a:extLst>
+              <a:ext uri="{FF2B5EF4-FFF2-40B4-BE49-F238E27FC236}">
+                <a16:creationId xmlns:a16="http://schemas.microsoft.com/office/drawing/2014/main" id="{19FA7EB8-0B43-469D-9ACD-C3AA25E33D19}"/>
+              </a:ext>
+            </a:extLst>
+          </p:cNvPr>
+          <p:cNvCxnSpPr>
+            <a:cxnSpLocks/>
+          </p:cNvCxnSpPr>
+          <p:nvPr/>
+        </p:nvCxnSpPr>
+        <p:spPr>
+          <a:xfrm>
+            <a:off x="1396139" y="1825625"/>
+            <a:ext cx="0" cy="4575175"/>
+          </a:xfrm>
+          <a:prstGeom prst="line">
+            <a:avLst/>
+          </a:prstGeom>
+          <a:ln w="38100"/>
+        </p:spPr>
+        <p:style>
+          <a:lnRef idx="1">
+            <a:schemeClr val="accent1"/>
+          </a:lnRef>
+          <a:fillRef idx="0">
+            <a:schemeClr val="accent1"/>
+          </a:fillRef>
+          <a:effectRef idx="0">
+            <a:schemeClr val="accent1"/>
+          </a:effectRef>
+          <a:fontRef idx="minor">
+            <a:schemeClr val="tx1"/>
+          </a:fontRef>
+        </p:style>
+      </p:cxnSp>
+    </p:spTree>
+    <p:extLst>
+      <p:ext uri="{BB962C8B-B14F-4D97-AF65-F5344CB8AC3E}">
+        <p14:creationId xmlns:p14="http://schemas.microsoft.com/office/powerpoint/2010/main" val="66475046"/>
+      </p:ext>
+    </p:extLst>
+  </p:cSld>
+  <p:clrMapOvr>
+    <a:masterClrMapping/>
+  </p:clrMapOvr>
+</p:sld>
+</file>
+
 <file path=ppt/theme/theme1.xml><?xml version="1.0" encoding="utf-8"?>
 <a:theme xmlns:a="http://schemas.openxmlformats.org/drawingml/2006/main" name="Thème Office">
   <a:themeElements>

--- a/4DVOP.pptx
+++ b/4DVOP.pptx
@@ -133,7 +133,7 @@
   <pc:docChgLst>
     <pc:chgData name="Florian Vigier" userId="4448005c0c8ca223" providerId="LiveId" clId="{A870EBF5-BDCA-439D-B259-8F20E1422E1A}"/>
     <pc:docChg chg="undo custSel addSld delSld modSld sldOrd addMainMaster delMainMaster modMainMaster">
-      <pc:chgData name="Florian Vigier" userId="4448005c0c8ca223" providerId="LiveId" clId="{A870EBF5-BDCA-439D-B259-8F20E1422E1A}" dt="2021-05-23T12:24:51.055" v="5764" actId="1037"/>
+      <pc:chgData name="Florian Vigier" userId="4448005c0c8ca223" providerId="LiveId" clId="{A870EBF5-BDCA-439D-B259-8F20E1422E1A}" dt="2021-05-23T13:05:53.785" v="5825" actId="20577"/>
       <pc:docMkLst>
         <pc:docMk/>
       </pc:docMkLst>
@@ -407,7 +407,7 @@
         </pc:cxnChg>
       </pc:sldChg>
       <pc:sldChg chg="addSp delSp modSp add mod ord">
-        <pc:chgData name="Florian Vigier" userId="4448005c0c8ca223" providerId="LiveId" clId="{A870EBF5-BDCA-439D-B259-8F20E1422E1A}" dt="2021-05-23T12:24:51.055" v="5764" actId="1037"/>
+        <pc:chgData name="Florian Vigier" userId="4448005c0c8ca223" providerId="LiveId" clId="{A870EBF5-BDCA-439D-B259-8F20E1422E1A}" dt="2021-05-23T12:56:45.328" v="5765" actId="1037"/>
         <pc:sldMkLst>
           <pc:docMk/>
           <pc:sldMk cId="1627793399" sldId="259"/>
@@ -1629,7 +1629,7 @@
           </ac:cxnSpMkLst>
         </pc:cxnChg>
         <pc:cxnChg chg="add mod">
-          <ac:chgData name="Florian Vigier" userId="4448005c0c8ca223" providerId="LiveId" clId="{A870EBF5-BDCA-439D-B259-8F20E1422E1A}" dt="2021-05-18T19:52:57.389" v="5045" actId="1076"/>
+          <ac:chgData name="Florian Vigier" userId="4448005c0c8ca223" providerId="LiveId" clId="{A870EBF5-BDCA-439D-B259-8F20E1422E1A}" dt="2021-05-23T12:56:45.328" v="5765" actId="1037"/>
           <ac:cxnSpMkLst>
             <pc:docMk/>
             <pc:sldMk cId="1627793399" sldId="259"/>
@@ -1901,7 +1901,7 @@
         </pc:sldMkLst>
       </pc:sldChg>
       <pc:sldChg chg="modSp add mod">
-        <pc:chgData name="Florian Vigier" userId="4448005c0c8ca223" providerId="LiveId" clId="{A870EBF5-BDCA-439D-B259-8F20E1422E1A}" dt="2021-05-22T11:48:40.049" v="5740" actId="313"/>
+        <pc:chgData name="Florian Vigier" userId="4448005c0c8ca223" providerId="LiveId" clId="{A870EBF5-BDCA-439D-B259-8F20E1422E1A}" dt="2021-05-23T13:05:53.785" v="5825" actId="20577"/>
         <pc:sldMkLst>
           <pc:docMk/>
           <pc:sldMk cId="66475046" sldId="267"/>
@@ -1915,7 +1915,7 @@
           </ac:spMkLst>
         </pc:spChg>
         <pc:spChg chg="mod">
-          <ac:chgData name="Florian Vigier" userId="4448005c0c8ca223" providerId="LiveId" clId="{A870EBF5-BDCA-439D-B259-8F20E1422E1A}" dt="2021-05-22T11:48:40.049" v="5740" actId="313"/>
+          <ac:chgData name="Florian Vigier" userId="4448005c0c8ca223" providerId="LiveId" clId="{A870EBF5-BDCA-439D-B259-8F20E1422E1A}" dt="2021-05-23T13:05:53.785" v="5825" actId="20577"/>
           <ac:spMkLst>
             <pc:docMk/>
             <pc:sldMk cId="66475046" sldId="267"/>
@@ -20146,7 +20146,7 @@
         </p:nvCxnSpPr>
         <p:spPr>
           <a:xfrm flipH="1" flipV="1">
-            <a:off x="7684092" y="3892915"/>
+            <a:off x="7672060" y="3892915"/>
             <a:ext cx="9196" cy="376863"/>
           </a:xfrm>
           <a:prstGeom prst="line">
@@ -21139,6 +21139,21 @@
               <a:t>Traiter les 3 vulnérabilités de l’application</a:t>
             </a:r>
           </a:p>
+          <a:p>
+            <a:pPr marL="0" indent="0">
+              <a:buNone/>
+            </a:pPr>
+            <a:endParaRPr lang="fr-FR" dirty="0"/>
+          </a:p>
+          <a:p>
+            <a:pPr marL="0" indent="0">
+              <a:buNone/>
+            </a:pPr>
+            <a:r>
+              <a:rPr lang="fr-FR" dirty="0"/>
+              <a:t>Installer un hyperviseur pour le monitoring system</a:t>
+            </a:r>
+          </a:p>
         </p:txBody>
       </p:sp>
       <p:cxnSp>
